--- a/Progress Report/plot.pptx
+++ b/Progress Report/plot.pptx
@@ -104,6 +104,11 @@
       </a:defRPr>
     </a:lvl9pPr>
   </p:defaultTextStyle>
+  <p:extLst>
+    <p:ext uri="{EFAFB233-063F-42B5-8137-9DF3F51BA10A}">
+      <p15:sldGuideLst xmlns:p15="http://schemas.microsoft.com/office/powerpoint/2012/main"/>
+    </p:ext>
+  </p:extLst>
 </p:presentation>
 </file>
 
@@ -254,7 +259,7 @@
           <a:p>
             <a:fld id="{9AEA26A8-5399-49A1-BAF6-EA3A4E38211B}" type="datetimeFigureOut">
               <a:rPr lang="en-US" smtClean="0"/>
-              <a:t>3/17/2022</a:t>
+              <a:t>4/1/2022</a:t>
             </a:fld>
             <a:endParaRPr lang="en-US"/>
           </a:p>
@@ -452,7 +457,7 @@
           <a:p>
             <a:fld id="{9AEA26A8-5399-49A1-BAF6-EA3A4E38211B}" type="datetimeFigureOut">
               <a:rPr lang="en-US" smtClean="0"/>
-              <a:t>3/17/2022</a:t>
+              <a:t>4/1/2022</a:t>
             </a:fld>
             <a:endParaRPr lang="en-US"/>
           </a:p>
@@ -660,7 +665,7 @@
           <a:p>
             <a:fld id="{9AEA26A8-5399-49A1-BAF6-EA3A4E38211B}" type="datetimeFigureOut">
               <a:rPr lang="en-US" smtClean="0"/>
-              <a:t>3/17/2022</a:t>
+              <a:t>4/1/2022</a:t>
             </a:fld>
             <a:endParaRPr lang="en-US"/>
           </a:p>
@@ -858,7 +863,7 @@
           <a:p>
             <a:fld id="{9AEA26A8-5399-49A1-BAF6-EA3A4E38211B}" type="datetimeFigureOut">
               <a:rPr lang="en-US" smtClean="0"/>
-              <a:t>3/17/2022</a:t>
+              <a:t>4/1/2022</a:t>
             </a:fld>
             <a:endParaRPr lang="en-US"/>
           </a:p>
@@ -1133,7 +1138,7 @@
           <a:p>
             <a:fld id="{9AEA26A8-5399-49A1-BAF6-EA3A4E38211B}" type="datetimeFigureOut">
               <a:rPr lang="en-US" smtClean="0"/>
-              <a:t>3/17/2022</a:t>
+              <a:t>4/1/2022</a:t>
             </a:fld>
             <a:endParaRPr lang="en-US"/>
           </a:p>
@@ -1398,7 +1403,7 @@
           <a:p>
             <a:fld id="{9AEA26A8-5399-49A1-BAF6-EA3A4E38211B}" type="datetimeFigureOut">
               <a:rPr lang="en-US" smtClean="0"/>
-              <a:t>3/17/2022</a:t>
+              <a:t>4/1/2022</a:t>
             </a:fld>
             <a:endParaRPr lang="en-US"/>
           </a:p>
@@ -1810,7 +1815,7 @@
           <a:p>
             <a:fld id="{9AEA26A8-5399-49A1-BAF6-EA3A4E38211B}" type="datetimeFigureOut">
               <a:rPr lang="en-US" smtClean="0"/>
-              <a:t>3/17/2022</a:t>
+              <a:t>4/1/2022</a:t>
             </a:fld>
             <a:endParaRPr lang="en-US"/>
           </a:p>
@@ -1951,7 +1956,7 @@
           <a:p>
             <a:fld id="{9AEA26A8-5399-49A1-BAF6-EA3A4E38211B}" type="datetimeFigureOut">
               <a:rPr lang="en-US" smtClean="0"/>
-              <a:t>3/17/2022</a:t>
+              <a:t>4/1/2022</a:t>
             </a:fld>
             <a:endParaRPr lang="en-US"/>
           </a:p>
@@ -2064,7 +2069,7 @@
           <a:p>
             <a:fld id="{9AEA26A8-5399-49A1-BAF6-EA3A4E38211B}" type="datetimeFigureOut">
               <a:rPr lang="en-US" smtClean="0"/>
-              <a:t>3/17/2022</a:t>
+              <a:t>4/1/2022</a:t>
             </a:fld>
             <a:endParaRPr lang="en-US"/>
           </a:p>
@@ -2375,7 +2380,7 @@
           <a:p>
             <a:fld id="{9AEA26A8-5399-49A1-BAF6-EA3A4E38211B}" type="datetimeFigureOut">
               <a:rPr lang="en-US" smtClean="0"/>
-              <a:t>3/17/2022</a:t>
+              <a:t>4/1/2022</a:t>
             </a:fld>
             <a:endParaRPr lang="en-US"/>
           </a:p>
@@ -2663,7 +2668,7 @@
           <a:p>
             <a:fld id="{9AEA26A8-5399-49A1-BAF6-EA3A4E38211B}" type="datetimeFigureOut">
               <a:rPr lang="en-US" smtClean="0"/>
-              <a:t>3/17/2022</a:t>
+              <a:t>4/1/2022</a:t>
             </a:fld>
             <a:endParaRPr lang="en-US"/>
           </a:p>
@@ -2904,7 +2909,7 @@
           <a:p>
             <a:fld id="{9AEA26A8-5399-49A1-BAF6-EA3A4E38211B}" type="datetimeFigureOut">
               <a:rPr lang="en-US" smtClean="0"/>
-              <a:t>3/17/2022</a:t>
+              <a:t>4/1/2022</a:t>
             </a:fld>
             <a:endParaRPr lang="en-US"/>
           </a:p>
@@ -3335,8 +3340,8 @@
         </p:nvSpPr>
         <p:spPr>
           <a:xfrm>
-            <a:off x="4610132" y="2751161"/>
-            <a:ext cx="1154918" cy="2240497"/>
+            <a:off x="4611770" y="2332512"/>
+            <a:ext cx="1154918" cy="1178529"/>
           </a:xfrm>
           <a:prstGeom prst="rect">
             <a:avLst/>
@@ -3427,7 +3432,7 @@
         </p:nvSpPr>
         <p:spPr>
           <a:xfrm>
-            <a:off x="2674013" y="2751161"/>
+            <a:off x="2675651" y="2332512"/>
             <a:ext cx="1200421" cy="484285"/>
           </a:xfrm>
           <a:prstGeom prst="roundRect">
@@ -3476,10 +3481,10 @@
       </p:sp>
       <p:sp>
         <p:nvSpPr>
-          <p:cNvPr id="7" name="Rectangle: Rounded Corners 6">
-            <a:extLst>
-              <a:ext uri="{FF2B5EF4-FFF2-40B4-BE49-F238E27FC236}">
-                <a16:creationId xmlns:a16="http://schemas.microsoft.com/office/drawing/2014/main" id="{8A1B94DA-DEE8-400E-B2BA-E3A92E0CF2F2}"/>
+          <p:cNvPr id="8" name="Rectangle: Rounded Corners 7">
+            <a:extLst>
+              <a:ext uri="{FF2B5EF4-FFF2-40B4-BE49-F238E27FC236}">
+                <a16:creationId xmlns:a16="http://schemas.microsoft.com/office/drawing/2014/main" id="{10EE041B-9F4C-4CBA-98DE-D463E86C27C8}"/>
               </a:ext>
             </a:extLst>
           </p:cNvPr>
@@ -3488,7 +3493,7 @@
         </p:nvSpPr>
         <p:spPr>
           <a:xfrm>
-            <a:off x="2674012" y="3473113"/>
+            <a:off x="4566267" y="3892213"/>
             <a:ext cx="1200421" cy="592626"/>
           </a:xfrm>
           <a:prstGeom prst="roundRect">
@@ -3525,73 +3530,20 @@
           <a:p>
             <a:pPr algn="ctr"/>
             <a:r>
+              <a:rPr lang="en-US" altLang="zh-CN" dirty="0">
+                <a:solidFill>
+                  <a:schemeClr val="tx1"/>
+                </a:solidFill>
+              </a:rPr>
+              <a:t>C</a:t>
+            </a:r>
+            <a:r>
               <a:rPr lang="en-US" dirty="0">
                 <a:solidFill>
                   <a:schemeClr val="tx1"/>
                 </a:solidFill>
               </a:rPr>
-              <a:t>Fast-MTCNN</a:t>
-            </a:r>
-          </a:p>
-        </p:txBody>
-      </p:sp>
-      <p:sp>
-        <p:nvSpPr>
-          <p:cNvPr id="8" name="Rectangle: Rounded Corners 7">
-            <a:extLst>
-              <a:ext uri="{FF2B5EF4-FFF2-40B4-BE49-F238E27FC236}">
-                <a16:creationId xmlns:a16="http://schemas.microsoft.com/office/drawing/2014/main" id="{10EE041B-9F4C-4CBA-98DE-D463E86C27C8}"/>
-              </a:ext>
-            </a:extLst>
-          </p:cNvPr>
-          <p:cNvSpPr/>
-          <p:nvPr/>
-        </p:nvSpPr>
-        <p:spPr>
-          <a:xfrm>
-            <a:off x="4587380" y="5801382"/>
-            <a:ext cx="1200421" cy="592626"/>
-          </a:xfrm>
-          <a:prstGeom prst="roundRect">
-            <a:avLst/>
-          </a:prstGeom>
-          <a:solidFill>
-            <a:srgbClr val="FFF8E5"/>
-          </a:solidFill>
-          <a:ln w="19050">
-            <a:solidFill>
-              <a:schemeClr val="accent2"/>
-            </a:solidFill>
-          </a:ln>
-        </p:spPr>
-        <p:style>
-          <a:lnRef idx="2">
-            <a:schemeClr val="accent1">
-              <a:shade val="50000"/>
-            </a:schemeClr>
-          </a:lnRef>
-          <a:fillRef idx="1">
-            <a:schemeClr val="accent1"/>
-          </a:fillRef>
-          <a:effectRef idx="0">
-            <a:schemeClr val="accent1"/>
-          </a:effectRef>
-          <a:fontRef idx="minor">
-            <a:schemeClr val="lt1"/>
-          </a:fontRef>
-        </p:style>
-        <p:txBody>
-          <a:bodyPr rtlCol="0" anchor="ctr"/>
-          <a:lstStyle/>
-          <a:p>
-            <a:pPr algn="ctr"/>
-            <a:r>
-              <a:rPr lang="en-US" dirty="0">
-                <a:solidFill>
-                  <a:schemeClr val="tx1"/>
-                </a:solidFill>
-              </a:rPr>
-              <a:t>DNN Model</a:t>
+              <a:t>NN Model</a:t>
             </a:r>
           </a:p>
         </p:txBody>
@@ -3806,7 +3758,7 @@
           </p:nvSpPr>
           <p:spPr>
             <a:xfrm>
-              <a:off x="7889701" y="348230"/>
+              <a:off x="8340210" y="380997"/>
               <a:ext cx="1266280" cy="338554"/>
             </a:xfrm>
             <a:prstGeom prst="rect">
@@ -3826,16 +3778,13 @@
                     <a:schemeClr val="accent5"/>
                   </a:solidFill>
                 </a:rPr>
-                <a:t>Bob </a:t>
+                <a:t>Bob</a:t>
               </a:r>
-              <a:r>
-                <a:rPr lang="en-US" sz="1600" dirty="0">
-                  <a:solidFill>
-                    <a:schemeClr val="accent5"/>
-                  </a:solidFill>
-                </a:rPr>
-                <a:t>0.93</a:t>
-              </a:r>
+              <a:endParaRPr lang="en-US" sz="1600" dirty="0">
+                <a:solidFill>
+                  <a:schemeClr val="accent5"/>
+                </a:solidFill>
+              </a:endParaRPr>
             </a:p>
           </p:txBody>
         </p:sp>
@@ -3989,17 +3938,18 @@
           </p:cNvPr>
           <p:cNvCxnSpPr>
             <a:cxnSpLocks/>
+            <a:endCxn id="5" idx="1"/>
           </p:cNvCxnSpPr>
           <p:nvPr/>
         </p:nvCxnSpPr>
         <p:spPr>
           <a:xfrm>
             <a:off x="1678675" y="2119952"/>
-            <a:ext cx="990789" cy="873352"/>
+            <a:ext cx="996976" cy="454703"/>
           </a:xfrm>
           <a:prstGeom prst="bentConnector3">
             <a:avLst>
-              <a:gd name="adj1" fmla="val 412"/>
+              <a:gd name="adj1" fmla="val -556"/>
             </a:avLst>
           </a:prstGeom>
           <a:ln w="19050">
@@ -4026,50 +3976,6 @@
       </p:cxnSp>
       <p:cxnSp>
         <p:nvCxnSpPr>
-          <p:cNvPr id="31" name="Connector: Elbow 30">
-            <a:extLst>
-              <a:ext uri="{FF2B5EF4-FFF2-40B4-BE49-F238E27FC236}">
-                <a16:creationId xmlns:a16="http://schemas.microsoft.com/office/drawing/2014/main" id="{086AB927-AF57-42C2-9CA1-1F34AE7747DA}"/>
-              </a:ext>
-            </a:extLst>
-          </p:cNvPr>
-          <p:cNvCxnSpPr>
-            <a:endCxn id="7" idx="1"/>
-          </p:cNvCxnSpPr>
-          <p:nvPr/>
-        </p:nvCxnSpPr>
-        <p:spPr>
-          <a:xfrm rot="16200000" flipH="1">
-            <a:off x="1353881" y="2449295"/>
-            <a:ext cx="1649474" cy="990788"/>
-          </a:xfrm>
-          <a:prstGeom prst="bentConnector2">
-            <a:avLst/>
-          </a:prstGeom>
-          <a:ln w="19050">
-            <a:solidFill>
-              <a:schemeClr val="tx1"/>
-            </a:solidFill>
-            <a:tailEnd type="triangle"/>
-          </a:ln>
-        </p:spPr>
-        <p:style>
-          <a:lnRef idx="1">
-            <a:schemeClr val="accent1"/>
-          </a:lnRef>
-          <a:fillRef idx="0">
-            <a:schemeClr val="accent1"/>
-          </a:fillRef>
-          <a:effectRef idx="0">
-            <a:schemeClr val="accent1"/>
-          </a:effectRef>
-          <a:fontRef idx="minor">
-            <a:schemeClr val="tx1"/>
-          </a:fontRef>
-        </p:style>
-      </p:cxnSp>
-      <p:cxnSp>
-        <p:nvCxnSpPr>
           <p:cNvPr id="33" name="Connector: Elbow 32">
             <a:extLst>
               <a:ext uri="{FF2B5EF4-FFF2-40B4-BE49-F238E27FC236}">
@@ -4085,7 +3991,7 @@
         </p:nvCxnSpPr>
         <p:spPr>
           <a:xfrm flipV="1">
-            <a:off x="3874434" y="2993303"/>
+            <a:off x="3876072" y="2574654"/>
             <a:ext cx="731150" cy="1"/>
           </a:xfrm>
           <a:prstGeom prst="bentConnector3">
@@ -4123,15 +4029,15 @@
             </a:extLst>
           </p:cNvPr>
           <p:cNvCxnSpPr>
-            <a:stCxn id="4" idx="2"/>
+            <a:cxnSpLocks/>
             <a:endCxn id="8" idx="0"/>
           </p:cNvCxnSpPr>
           <p:nvPr/>
         </p:nvCxnSpPr>
         <p:spPr>
-          <a:xfrm>
-            <a:off x="5187591" y="4991658"/>
-            <a:ext cx="0" cy="809724"/>
+          <a:xfrm flipH="1">
+            <a:off x="5166478" y="3511041"/>
+            <a:ext cx="43" cy="381172"/>
           </a:xfrm>
           <a:prstGeom prst="straightConnector1">
             <a:avLst/>
@@ -4160,51 +4066,6 @@
       </p:cxnSp>
       <p:cxnSp>
         <p:nvCxnSpPr>
-          <p:cNvPr id="42" name="Connector: Elbow 41">
-            <a:extLst>
-              <a:ext uri="{FF2B5EF4-FFF2-40B4-BE49-F238E27FC236}">
-                <a16:creationId xmlns:a16="http://schemas.microsoft.com/office/drawing/2014/main" id="{AEA1A183-3A32-4874-89EB-22F650FDDE6E}"/>
-              </a:ext>
-            </a:extLst>
-          </p:cNvPr>
-          <p:cNvCxnSpPr>
-            <a:stCxn id="7" idx="2"/>
-            <a:endCxn id="8" idx="1"/>
-          </p:cNvCxnSpPr>
-          <p:nvPr/>
-        </p:nvCxnSpPr>
-        <p:spPr>
-          <a:xfrm rot="16200000" flipH="1">
-            <a:off x="2914823" y="4425138"/>
-            <a:ext cx="2031956" cy="1313157"/>
-          </a:xfrm>
-          <a:prstGeom prst="bentConnector2">
-            <a:avLst/>
-          </a:prstGeom>
-          <a:ln w="19050">
-            <a:solidFill>
-              <a:schemeClr val="tx1"/>
-            </a:solidFill>
-            <a:tailEnd type="triangle"/>
-          </a:ln>
-        </p:spPr>
-        <p:style>
-          <a:lnRef idx="1">
-            <a:schemeClr val="accent1"/>
-          </a:lnRef>
-          <a:fillRef idx="0">
-            <a:schemeClr val="accent1"/>
-          </a:fillRef>
-          <a:effectRef idx="0">
-            <a:schemeClr val="accent1"/>
-          </a:effectRef>
-          <a:fontRef idx="minor">
-            <a:schemeClr val="tx1"/>
-          </a:fontRef>
-        </p:style>
-      </p:cxnSp>
-      <p:cxnSp>
-        <p:nvCxnSpPr>
           <p:cNvPr id="46" name="Straight Arrow Connector 45">
             <a:extLst>
               <a:ext uri="{FF2B5EF4-FFF2-40B4-BE49-F238E27FC236}">
@@ -4219,7 +4080,7 @@
         </p:nvCxnSpPr>
         <p:spPr>
           <a:xfrm>
-            <a:off x="5765050" y="3070746"/>
+            <a:off x="5766688" y="2652097"/>
             <a:ext cx="2449499" cy="0"/>
           </a:xfrm>
           <a:prstGeom prst="straightConnector1">
@@ -4264,8 +4125,8 @@
         </p:nvCxnSpPr>
         <p:spPr>
           <a:xfrm flipV="1">
-            <a:off x="5787801" y="3671142"/>
-            <a:ext cx="3557831" cy="2426553"/>
+            <a:off x="5766688" y="3671142"/>
+            <a:ext cx="3578944" cy="517384"/>
           </a:xfrm>
           <a:prstGeom prst="bentConnector2">
             <a:avLst/>
@@ -4354,7 +4215,7 @@
         </p:nvSpPr>
         <p:spPr>
           <a:xfrm>
-            <a:off x="6278256" y="2584625"/>
+            <a:off x="6279894" y="2165976"/>
             <a:ext cx="454104" cy="454104"/>
           </a:xfrm>
           <a:prstGeom prst="rect">
@@ -4406,7 +4267,7 @@
         </p:nvSpPr>
         <p:spPr>
           <a:xfrm>
-            <a:off x="6699006" y="2751161"/>
+            <a:off x="6700644" y="2332512"/>
             <a:ext cx="1093120" cy="369332"/>
           </a:xfrm>
           <a:prstGeom prst="rect">
@@ -4445,8 +4306,8 @@
         </p:nvSpPr>
         <p:spPr>
           <a:xfrm>
-            <a:off x="6699006" y="5504597"/>
-            <a:ext cx="1670586" cy="646331"/>
+            <a:off x="6327785" y="3892213"/>
+            <a:ext cx="745717" cy="369332"/>
           </a:xfrm>
           <a:prstGeom prst="rect">
             <a:avLst/>
@@ -4466,16 +4327,6 @@
                 </a:solidFill>
               </a:rPr>
               <a:t>“Bob”</a:t>
-            </a:r>
-          </a:p>
-          <a:p>
-            <a:r>
-              <a:rPr lang="en-US" dirty="0">
-                <a:solidFill>
-                  <a:schemeClr val="accent5"/>
-                </a:solidFill>
-              </a:rPr>
-              <a:t>93% confidence</a:t>
             </a:r>
           </a:p>
         </p:txBody>
